--- a/暑期年会-刘海坤.pptx
+++ b/暑期年会-刘海坤.pptx
@@ -1,22 +1,25 @@
 
 <file path=ppt/presentation.xml><?xml version="1.0" encoding="utf-8"?>
-<p:presentation xmlns:a="http://schemas.openxmlformats.org/drawingml/2006/main" xmlns:r="http://schemas.openxmlformats.org/officeDocument/2006/relationships" xmlns:p="http://schemas.openxmlformats.org/presentationml/2006/main" saveSubsetFonts="1" bookmarkIdSeed="2">
+<p:presentation xmlns:a="http://schemas.openxmlformats.org/drawingml/2006/main" xmlns:r="http://schemas.openxmlformats.org/officeDocument/2006/relationships" xmlns:p="http://schemas.openxmlformats.org/presentationml/2006/main" bookmarkIdSeed="2">
   <p:sldMasterIdLst>
     <p:sldMasterId id="2147483648" r:id="rId1"/>
   </p:sldMasterIdLst>
   <p:sldIdLst>
-    <p:sldId id="257" r:id="rId2"/>
-    <p:sldId id="258" r:id="rId3"/>
-    <p:sldId id="259" r:id="rId4"/>
-    <p:sldId id="260" r:id="rId5"/>
-    <p:sldId id="261" r:id="rId6"/>
-    <p:sldId id="262" r:id="rId7"/>
-    <p:sldId id="263" r:id="rId8"/>
-    <p:sldId id="264" r:id="rId9"/>
-    <p:sldId id="265" r:id="rId10"/>
+    <p:sldId id="257" r:id="rId3"/>
+    <p:sldId id="258" r:id="rId4"/>
+    <p:sldId id="259" r:id="rId5"/>
+    <p:sldId id="260" r:id="rId6"/>
+    <p:sldId id="261" r:id="rId7"/>
+    <p:sldId id="262" r:id="rId8"/>
+    <p:sldId id="263" r:id="rId9"/>
+    <p:sldId id="264" r:id="rId10"/>
+    <p:sldId id="265" r:id="rId11"/>
   </p:sldIdLst>
   <p:sldSz cx="12192000" cy="6858000"/>
   <p:notesSz cx="6858000" cy="9144000"/>
+  <p:custDataLst>
+    <p:tags r:id="rId15"/>
+  </p:custDataLst>
   <p:defaultTextStyle>
     <a:defPPr>
       <a:defRPr lang="zh-CN"/>
@@ -112,11 +115,6 @@
       </a:defRPr>
     </a:lvl9pPr>
   </p:defaultTextStyle>
-  <p:extLst>
-    <p:ext uri="{EFAFB233-063F-42B5-8137-9DF3F51BA10A}">
-      <p15:sldGuideLst xmlns:p15="http://schemas.microsoft.com/office/powerpoint/2012/main"/>
-    </p:ext>
-  </p:extLst>
 </p:presentation>
 </file>
 
@@ -176,7 +174,7 @@
             <a:spLocks noGrp="1"/>
           </p:cNvSpPr>
           <p:nvPr>
-            <p:ph type="subTitle" idx="1"/>
+            <p:ph type="subTitle" idx="1" hasCustomPrompt="1"/>
           </p:nvPr>
         </p:nvSpPr>
         <p:spPr>
@@ -251,7 +249,6 @@
           <a:p>
             <a:fld id="{96EC5E7B-1E8E-495C-AB71-BAADEEDEA495}" type="datetimeFigureOut">
               <a:rPr lang="zh-CN" altLang="en-US" smtClean="0"/>
-              <a:t>2022/9/20</a:t>
             </a:fld>
             <a:endParaRPr lang="zh-CN" altLang="en-US"/>
           </a:p>
@@ -293,18 +290,12 @@
           <a:p>
             <a:fld id="{22258FDD-683D-4A33-98DA-A7071BC45F38}" type="slidenum">
               <a:rPr lang="zh-CN" altLang="en-US" smtClean="0"/>
-              <a:t>‹#›</a:t>
             </a:fld>
             <a:endParaRPr lang="zh-CN" altLang="en-US"/>
           </a:p>
         </p:txBody>
       </p:sp>
     </p:spTree>
-    <p:extLst>
-      <p:ext uri="{BB962C8B-B14F-4D97-AF65-F5344CB8AC3E}">
-        <p14:creationId xmlns:p14="http://schemas.microsoft.com/office/powerpoint/2010/main" val="4266441077"/>
-      </p:ext>
-    </p:extLst>
   </p:cSld>
   <p:clrMapOvr>
     <a:masterClrMapping/>
@@ -359,7 +350,7 @@
             <a:spLocks noGrp="1"/>
           </p:cNvSpPr>
           <p:nvPr>
-            <p:ph type="body" orient="vert" idx="1"/>
+            <p:ph type="body" orient="vert" idx="1" hasCustomPrompt="1"/>
           </p:nvPr>
         </p:nvSpPr>
         <p:spPr/>
@@ -372,6 +363,7 @@
               <a:rPr lang="zh-CN" altLang="en-US" smtClean="0"/>
               <a:t>编辑母版文本样式</a:t>
             </a:r>
+            <a:endParaRPr lang="zh-CN" altLang="en-US" smtClean="0"/>
           </a:p>
           <a:p>
             <a:pPr lvl="1"/>
@@ -379,6 +371,7 @@
               <a:rPr lang="zh-CN" altLang="en-US" smtClean="0"/>
               <a:t>第二级</a:t>
             </a:r>
+            <a:endParaRPr lang="zh-CN" altLang="en-US" smtClean="0"/>
           </a:p>
           <a:p>
             <a:pPr lvl="2"/>
@@ -386,6 +379,7 @@
               <a:rPr lang="zh-CN" altLang="en-US" smtClean="0"/>
               <a:t>第三级</a:t>
             </a:r>
+            <a:endParaRPr lang="zh-CN" altLang="en-US" smtClean="0"/>
           </a:p>
           <a:p>
             <a:pPr lvl="3"/>
@@ -393,6 +387,7 @@
               <a:rPr lang="zh-CN" altLang="en-US" smtClean="0"/>
               <a:t>第四级</a:t>
             </a:r>
+            <a:endParaRPr lang="zh-CN" altLang="en-US" smtClean="0"/>
           </a:p>
           <a:p>
             <a:pPr lvl="4"/>
@@ -421,7 +416,6 @@
           <a:p>
             <a:fld id="{96EC5E7B-1E8E-495C-AB71-BAADEEDEA495}" type="datetimeFigureOut">
               <a:rPr lang="zh-CN" altLang="en-US" smtClean="0"/>
-              <a:t>2022/9/20</a:t>
             </a:fld>
             <a:endParaRPr lang="zh-CN" altLang="en-US"/>
           </a:p>
@@ -463,18 +457,12 @@
           <a:p>
             <a:fld id="{22258FDD-683D-4A33-98DA-A7071BC45F38}" type="slidenum">
               <a:rPr lang="zh-CN" altLang="en-US" smtClean="0"/>
-              <a:t>‹#›</a:t>
             </a:fld>
             <a:endParaRPr lang="zh-CN" altLang="en-US"/>
           </a:p>
         </p:txBody>
       </p:sp>
     </p:spTree>
-    <p:extLst>
-      <p:ext uri="{BB962C8B-B14F-4D97-AF65-F5344CB8AC3E}">
-        <p14:creationId xmlns:p14="http://schemas.microsoft.com/office/powerpoint/2010/main" val="440733912"/>
-      </p:ext>
-    </p:extLst>
   </p:cSld>
   <p:clrMapOvr>
     <a:masterClrMapping/>
@@ -534,7 +522,7 @@
             <a:spLocks noGrp="1"/>
           </p:cNvSpPr>
           <p:nvPr>
-            <p:ph type="body" orient="vert" idx="1"/>
+            <p:ph type="body" orient="vert" idx="1" hasCustomPrompt="1"/>
           </p:nvPr>
         </p:nvSpPr>
         <p:spPr>
@@ -552,6 +540,7 @@
               <a:rPr lang="zh-CN" altLang="en-US" smtClean="0"/>
               <a:t>编辑母版文本样式</a:t>
             </a:r>
+            <a:endParaRPr lang="zh-CN" altLang="en-US" smtClean="0"/>
           </a:p>
           <a:p>
             <a:pPr lvl="1"/>
@@ -559,6 +548,7 @@
               <a:rPr lang="zh-CN" altLang="en-US" smtClean="0"/>
               <a:t>第二级</a:t>
             </a:r>
+            <a:endParaRPr lang="zh-CN" altLang="en-US" smtClean="0"/>
           </a:p>
           <a:p>
             <a:pPr lvl="2"/>
@@ -566,6 +556,7 @@
               <a:rPr lang="zh-CN" altLang="en-US" smtClean="0"/>
               <a:t>第三级</a:t>
             </a:r>
+            <a:endParaRPr lang="zh-CN" altLang="en-US" smtClean="0"/>
           </a:p>
           <a:p>
             <a:pPr lvl="3"/>
@@ -573,6 +564,7 @@
               <a:rPr lang="zh-CN" altLang="en-US" smtClean="0"/>
               <a:t>第四级</a:t>
             </a:r>
+            <a:endParaRPr lang="zh-CN" altLang="en-US" smtClean="0"/>
           </a:p>
           <a:p>
             <a:pPr lvl="4"/>
@@ -601,7 +593,6 @@
           <a:p>
             <a:fld id="{96EC5E7B-1E8E-495C-AB71-BAADEEDEA495}" type="datetimeFigureOut">
               <a:rPr lang="zh-CN" altLang="en-US" smtClean="0"/>
-              <a:t>2022/9/20</a:t>
             </a:fld>
             <a:endParaRPr lang="zh-CN" altLang="en-US"/>
           </a:p>
@@ -643,18 +634,12 @@
           <a:p>
             <a:fld id="{22258FDD-683D-4A33-98DA-A7071BC45F38}" type="slidenum">
               <a:rPr lang="zh-CN" altLang="en-US" smtClean="0"/>
-              <a:t>‹#›</a:t>
             </a:fld>
             <a:endParaRPr lang="zh-CN" altLang="en-US"/>
           </a:p>
         </p:txBody>
       </p:sp>
     </p:spTree>
-    <p:extLst>
-      <p:ext uri="{BB962C8B-B14F-4D97-AF65-F5344CB8AC3E}">
-        <p14:creationId xmlns:p14="http://schemas.microsoft.com/office/powerpoint/2010/main" val="422904893"/>
-      </p:ext>
-    </p:extLst>
   </p:cSld>
   <p:clrMapOvr>
     <a:masterClrMapping/>
@@ -709,7 +694,7 @@
             <a:spLocks noGrp="1"/>
           </p:cNvSpPr>
           <p:nvPr>
-            <p:ph idx="1"/>
+            <p:ph idx="1" hasCustomPrompt="1"/>
           </p:nvPr>
         </p:nvSpPr>
         <p:spPr/>
@@ -722,6 +707,7 @@
               <a:rPr lang="zh-CN" altLang="en-US" smtClean="0"/>
               <a:t>编辑母版文本样式</a:t>
             </a:r>
+            <a:endParaRPr lang="zh-CN" altLang="en-US" smtClean="0"/>
           </a:p>
           <a:p>
             <a:pPr lvl="1"/>
@@ -729,6 +715,7 @@
               <a:rPr lang="zh-CN" altLang="en-US" smtClean="0"/>
               <a:t>第二级</a:t>
             </a:r>
+            <a:endParaRPr lang="zh-CN" altLang="en-US" smtClean="0"/>
           </a:p>
           <a:p>
             <a:pPr lvl="2"/>
@@ -736,6 +723,7 @@
               <a:rPr lang="zh-CN" altLang="en-US" smtClean="0"/>
               <a:t>第三级</a:t>
             </a:r>
+            <a:endParaRPr lang="zh-CN" altLang="en-US" smtClean="0"/>
           </a:p>
           <a:p>
             <a:pPr lvl="3"/>
@@ -743,6 +731,7 @@
               <a:rPr lang="zh-CN" altLang="en-US" smtClean="0"/>
               <a:t>第四级</a:t>
             </a:r>
+            <a:endParaRPr lang="zh-CN" altLang="en-US" smtClean="0"/>
           </a:p>
           <a:p>
             <a:pPr lvl="4"/>
@@ -771,7 +760,6 @@
           <a:p>
             <a:fld id="{96EC5E7B-1E8E-495C-AB71-BAADEEDEA495}" type="datetimeFigureOut">
               <a:rPr lang="zh-CN" altLang="en-US" smtClean="0"/>
-              <a:t>2022/9/20</a:t>
             </a:fld>
             <a:endParaRPr lang="zh-CN" altLang="en-US"/>
           </a:p>
@@ -813,18 +801,12 @@
           <a:p>
             <a:fld id="{22258FDD-683D-4A33-98DA-A7071BC45F38}" type="slidenum">
               <a:rPr lang="zh-CN" altLang="en-US" smtClean="0"/>
-              <a:t>‹#›</a:t>
             </a:fld>
             <a:endParaRPr lang="zh-CN" altLang="en-US"/>
           </a:p>
         </p:txBody>
       </p:sp>
     </p:spTree>
-    <p:extLst>
-      <p:ext uri="{BB962C8B-B14F-4D97-AF65-F5344CB8AC3E}">
-        <p14:creationId xmlns:p14="http://schemas.microsoft.com/office/powerpoint/2010/main" val="4190341983"/>
-      </p:ext>
-    </p:extLst>
   </p:cSld>
   <p:clrMapOvr>
     <a:masterClrMapping/>
@@ -888,7 +870,7 @@
             <a:spLocks noGrp="1"/>
           </p:cNvSpPr>
           <p:nvPr>
-            <p:ph type="body" idx="1"/>
+            <p:ph type="body" idx="1" hasCustomPrompt="1"/>
           </p:nvPr>
         </p:nvSpPr>
         <p:spPr>
@@ -997,6 +979,7 @@
               <a:rPr lang="zh-CN" altLang="en-US" smtClean="0"/>
               <a:t>编辑母版文本样式</a:t>
             </a:r>
+            <a:endParaRPr lang="zh-CN" altLang="en-US" smtClean="0"/>
           </a:p>
         </p:txBody>
       </p:sp>
@@ -1017,7 +1000,6 @@
           <a:p>
             <a:fld id="{96EC5E7B-1E8E-495C-AB71-BAADEEDEA495}" type="datetimeFigureOut">
               <a:rPr lang="zh-CN" altLang="en-US" smtClean="0"/>
-              <a:t>2022/9/20</a:t>
             </a:fld>
             <a:endParaRPr lang="zh-CN" altLang="en-US"/>
           </a:p>
@@ -1059,18 +1041,12 @@
           <a:p>
             <a:fld id="{22258FDD-683D-4A33-98DA-A7071BC45F38}" type="slidenum">
               <a:rPr lang="zh-CN" altLang="en-US" smtClean="0"/>
-              <a:t>‹#›</a:t>
             </a:fld>
             <a:endParaRPr lang="zh-CN" altLang="en-US"/>
           </a:p>
         </p:txBody>
       </p:sp>
     </p:spTree>
-    <p:extLst>
-      <p:ext uri="{BB962C8B-B14F-4D97-AF65-F5344CB8AC3E}">
-        <p14:creationId xmlns:p14="http://schemas.microsoft.com/office/powerpoint/2010/main" val="3085865589"/>
-      </p:ext>
-    </p:extLst>
   </p:cSld>
   <p:clrMapOvr>
     <a:masterClrMapping/>
@@ -1125,7 +1101,7 @@
             <a:spLocks noGrp="1"/>
           </p:cNvSpPr>
           <p:nvPr>
-            <p:ph sz="half" idx="1"/>
+            <p:ph sz="half" idx="1" hasCustomPrompt="1"/>
           </p:nvPr>
         </p:nvSpPr>
         <p:spPr>
@@ -1143,6 +1119,7 @@
               <a:rPr lang="zh-CN" altLang="en-US" smtClean="0"/>
               <a:t>编辑母版文本样式</a:t>
             </a:r>
+            <a:endParaRPr lang="zh-CN" altLang="en-US" smtClean="0"/>
           </a:p>
           <a:p>
             <a:pPr lvl="1"/>
@@ -1150,6 +1127,7 @@
               <a:rPr lang="zh-CN" altLang="en-US" smtClean="0"/>
               <a:t>第二级</a:t>
             </a:r>
+            <a:endParaRPr lang="zh-CN" altLang="en-US" smtClean="0"/>
           </a:p>
           <a:p>
             <a:pPr lvl="2"/>
@@ -1157,6 +1135,7 @@
               <a:rPr lang="zh-CN" altLang="en-US" smtClean="0"/>
               <a:t>第三级</a:t>
             </a:r>
+            <a:endParaRPr lang="zh-CN" altLang="en-US" smtClean="0"/>
           </a:p>
           <a:p>
             <a:pPr lvl="3"/>
@@ -1164,6 +1143,7 @@
               <a:rPr lang="zh-CN" altLang="en-US" smtClean="0"/>
               <a:t>第四级</a:t>
             </a:r>
+            <a:endParaRPr lang="zh-CN" altLang="en-US" smtClean="0"/>
           </a:p>
           <a:p>
             <a:pPr lvl="4"/>
@@ -1182,7 +1162,7 @@
             <a:spLocks noGrp="1"/>
           </p:cNvSpPr>
           <p:nvPr>
-            <p:ph sz="half" idx="2"/>
+            <p:ph sz="half" idx="2" hasCustomPrompt="1"/>
           </p:nvPr>
         </p:nvSpPr>
         <p:spPr>
@@ -1200,6 +1180,7 @@
               <a:rPr lang="zh-CN" altLang="en-US" smtClean="0"/>
               <a:t>编辑母版文本样式</a:t>
             </a:r>
+            <a:endParaRPr lang="zh-CN" altLang="en-US" smtClean="0"/>
           </a:p>
           <a:p>
             <a:pPr lvl="1"/>
@@ -1207,6 +1188,7 @@
               <a:rPr lang="zh-CN" altLang="en-US" smtClean="0"/>
               <a:t>第二级</a:t>
             </a:r>
+            <a:endParaRPr lang="zh-CN" altLang="en-US" smtClean="0"/>
           </a:p>
           <a:p>
             <a:pPr lvl="2"/>
@@ -1214,6 +1196,7 @@
               <a:rPr lang="zh-CN" altLang="en-US" smtClean="0"/>
               <a:t>第三级</a:t>
             </a:r>
+            <a:endParaRPr lang="zh-CN" altLang="en-US" smtClean="0"/>
           </a:p>
           <a:p>
             <a:pPr lvl="3"/>
@@ -1221,6 +1204,7 @@
               <a:rPr lang="zh-CN" altLang="en-US" smtClean="0"/>
               <a:t>第四级</a:t>
             </a:r>
+            <a:endParaRPr lang="zh-CN" altLang="en-US" smtClean="0"/>
           </a:p>
           <a:p>
             <a:pPr lvl="4"/>
@@ -1249,7 +1233,6 @@
           <a:p>
             <a:fld id="{96EC5E7B-1E8E-495C-AB71-BAADEEDEA495}" type="datetimeFigureOut">
               <a:rPr lang="zh-CN" altLang="en-US" smtClean="0"/>
-              <a:t>2022/9/20</a:t>
             </a:fld>
             <a:endParaRPr lang="zh-CN" altLang="en-US"/>
           </a:p>
@@ -1291,18 +1274,12 @@
           <a:p>
             <a:fld id="{22258FDD-683D-4A33-98DA-A7071BC45F38}" type="slidenum">
               <a:rPr lang="zh-CN" altLang="en-US" smtClean="0"/>
-              <a:t>‹#›</a:t>
             </a:fld>
             <a:endParaRPr lang="zh-CN" altLang="en-US"/>
           </a:p>
         </p:txBody>
       </p:sp>
     </p:spTree>
-    <p:extLst>
-      <p:ext uri="{BB962C8B-B14F-4D97-AF65-F5344CB8AC3E}">
-        <p14:creationId xmlns:p14="http://schemas.microsoft.com/office/powerpoint/2010/main" val="2816169855"/>
-      </p:ext>
-    </p:extLst>
   </p:cSld>
   <p:clrMapOvr>
     <a:masterClrMapping/>
@@ -1362,7 +1339,7 @@
             <a:spLocks noGrp="1"/>
           </p:cNvSpPr>
           <p:nvPr>
-            <p:ph type="body" idx="1"/>
+            <p:ph type="body" idx="1" hasCustomPrompt="1"/>
           </p:nvPr>
         </p:nvSpPr>
         <p:spPr>
@@ -1417,6 +1394,7 @@
               <a:rPr lang="zh-CN" altLang="en-US" smtClean="0"/>
               <a:t>编辑母版文本样式</a:t>
             </a:r>
+            <a:endParaRPr lang="zh-CN" altLang="en-US" smtClean="0"/>
           </a:p>
         </p:txBody>
       </p:sp>
@@ -1427,7 +1405,7 @@
             <a:spLocks noGrp="1"/>
           </p:cNvSpPr>
           <p:nvPr>
-            <p:ph sz="half" idx="2"/>
+            <p:ph sz="half" idx="2" hasCustomPrompt="1"/>
           </p:nvPr>
         </p:nvSpPr>
         <p:spPr>
@@ -1445,6 +1423,7 @@
               <a:rPr lang="zh-CN" altLang="en-US" smtClean="0"/>
               <a:t>编辑母版文本样式</a:t>
             </a:r>
+            <a:endParaRPr lang="zh-CN" altLang="en-US" smtClean="0"/>
           </a:p>
           <a:p>
             <a:pPr lvl="1"/>
@@ -1452,6 +1431,7 @@
               <a:rPr lang="zh-CN" altLang="en-US" smtClean="0"/>
               <a:t>第二级</a:t>
             </a:r>
+            <a:endParaRPr lang="zh-CN" altLang="en-US" smtClean="0"/>
           </a:p>
           <a:p>
             <a:pPr lvl="2"/>
@@ -1459,6 +1439,7 @@
               <a:rPr lang="zh-CN" altLang="en-US" smtClean="0"/>
               <a:t>第三级</a:t>
             </a:r>
+            <a:endParaRPr lang="zh-CN" altLang="en-US" smtClean="0"/>
           </a:p>
           <a:p>
             <a:pPr lvl="3"/>
@@ -1466,6 +1447,7 @@
               <a:rPr lang="zh-CN" altLang="en-US" smtClean="0"/>
               <a:t>第四级</a:t>
             </a:r>
+            <a:endParaRPr lang="zh-CN" altLang="en-US" smtClean="0"/>
           </a:p>
           <a:p>
             <a:pPr lvl="4"/>
@@ -1484,7 +1466,7 @@
             <a:spLocks noGrp="1"/>
           </p:cNvSpPr>
           <p:nvPr>
-            <p:ph type="body" sz="quarter" idx="3"/>
+            <p:ph type="body" sz="quarter" idx="3" hasCustomPrompt="1"/>
           </p:nvPr>
         </p:nvSpPr>
         <p:spPr>
@@ -1539,6 +1521,7 @@
               <a:rPr lang="zh-CN" altLang="en-US" smtClean="0"/>
               <a:t>编辑母版文本样式</a:t>
             </a:r>
+            <a:endParaRPr lang="zh-CN" altLang="en-US" smtClean="0"/>
           </a:p>
         </p:txBody>
       </p:sp>
@@ -1549,7 +1532,7 @@
             <a:spLocks noGrp="1"/>
           </p:cNvSpPr>
           <p:nvPr>
-            <p:ph sz="quarter" idx="4"/>
+            <p:ph sz="quarter" idx="4" hasCustomPrompt="1"/>
           </p:nvPr>
         </p:nvSpPr>
         <p:spPr>
@@ -1567,6 +1550,7 @@
               <a:rPr lang="zh-CN" altLang="en-US" smtClean="0"/>
               <a:t>编辑母版文本样式</a:t>
             </a:r>
+            <a:endParaRPr lang="zh-CN" altLang="en-US" smtClean="0"/>
           </a:p>
           <a:p>
             <a:pPr lvl="1"/>
@@ -1574,6 +1558,7 @@
               <a:rPr lang="zh-CN" altLang="en-US" smtClean="0"/>
               <a:t>第二级</a:t>
             </a:r>
+            <a:endParaRPr lang="zh-CN" altLang="en-US" smtClean="0"/>
           </a:p>
           <a:p>
             <a:pPr lvl="2"/>
@@ -1581,6 +1566,7 @@
               <a:rPr lang="zh-CN" altLang="en-US" smtClean="0"/>
               <a:t>第三级</a:t>
             </a:r>
+            <a:endParaRPr lang="zh-CN" altLang="en-US" smtClean="0"/>
           </a:p>
           <a:p>
             <a:pPr lvl="3"/>
@@ -1588,6 +1574,7 @@
               <a:rPr lang="zh-CN" altLang="en-US" smtClean="0"/>
               <a:t>第四级</a:t>
             </a:r>
+            <a:endParaRPr lang="zh-CN" altLang="en-US" smtClean="0"/>
           </a:p>
           <a:p>
             <a:pPr lvl="4"/>
@@ -1616,7 +1603,6 @@
           <a:p>
             <a:fld id="{96EC5E7B-1E8E-495C-AB71-BAADEEDEA495}" type="datetimeFigureOut">
               <a:rPr lang="zh-CN" altLang="en-US" smtClean="0"/>
-              <a:t>2022/9/20</a:t>
             </a:fld>
             <a:endParaRPr lang="zh-CN" altLang="en-US"/>
           </a:p>
@@ -1658,18 +1644,12 @@
           <a:p>
             <a:fld id="{22258FDD-683D-4A33-98DA-A7071BC45F38}" type="slidenum">
               <a:rPr lang="zh-CN" altLang="en-US" smtClean="0"/>
-              <a:t>‹#›</a:t>
             </a:fld>
             <a:endParaRPr lang="zh-CN" altLang="en-US"/>
           </a:p>
         </p:txBody>
       </p:sp>
     </p:spTree>
-    <p:extLst>
-      <p:ext uri="{BB962C8B-B14F-4D97-AF65-F5344CB8AC3E}">
-        <p14:creationId xmlns:p14="http://schemas.microsoft.com/office/powerpoint/2010/main" val="1757489686"/>
-      </p:ext>
-    </p:extLst>
   </p:cSld>
   <p:clrMapOvr>
     <a:masterClrMapping/>
@@ -1734,7 +1714,6 @@
           <a:p>
             <a:fld id="{96EC5E7B-1E8E-495C-AB71-BAADEEDEA495}" type="datetimeFigureOut">
               <a:rPr lang="zh-CN" altLang="en-US" smtClean="0"/>
-              <a:t>2022/9/20</a:t>
             </a:fld>
             <a:endParaRPr lang="zh-CN" altLang="en-US"/>
           </a:p>
@@ -1776,18 +1755,12 @@
           <a:p>
             <a:fld id="{22258FDD-683D-4A33-98DA-A7071BC45F38}" type="slidenum">
               <a:rPr lang="zh-CN" altLang="en-US" smtClean="0"/>
-              <a:t>‹#›</a:t>
             </a:fld>
             <a:endParaRPr lang="zh-CN" altLang="en-US"/>
           </a:p>
         </p:txBody>
       </p:sp>
     </p:spTree>
-    <p:extLst>
-      <p:ext uri="{BB962C8B-B14F-4D97-AF65-F5344CB8AC3E}">
-        <p14:creationId xmlns:p14="http://schemas.microsoft.com/office/powerpoint/2010/main" val="2313419313"/>
-      </p:ext>
-    </p:extLst>
   </p:cSld>
   <p:clrMapOvr>
     <a:masterClrMapping/>
@@ -1829,7 +1802,6 @@
           <a:p>
             <a:fld id="{96EC5E7B-1E8E-495C-AB71-BAADEEDEA495}" type="datetimeFigureOut">
               <a:rPr lang="zh-CN" altLang="en-US" smtClean="0"/>
-              <a:t>2022/9/20</a:t>
             </a:fld>
             <a:endParaRPr lang="zh-CN" altLang="en-US"/>
           </a:p>
@@ -1871,18 +1843,12 @@
           <a:p>
             <a:fld id="{22258FDD-683D-4A33-98DA-A7071BC45F38}" type="slidenum">
               <a:rPr lang="zh-CN" altLang="en-US" smtClean="0"/>
-              <a:t>‹#›</a:t>
             </a:fld>
             <a:endParaRPr lang="zh-CN" altLang="en-US"/>
           </a:p>
         </p:txBody>
       </p:sp>
     </p:spTree>
-    <p:extLst>
-      <p:ext uri="{BB962C8B-B14F-4D97-AF65-F5344CB8AC3E}">
-        <p14:creationId xmlns:p14="http://schemas.microsoft.com/office/powerpoint/2010/main" val="3825979593"/>
-      </p:ext>
-    </p:extLst>
   </p:cSld>
   <p:clrMapOvr>
     <a:masterClrMapping/>
@@ -1946,7 +1912,7 @@
             <a:spLocks noGrp="1"/>
           </p:cNvSpPr>
           <p:nvPr>
-            <p:ph idx="1"/>
+            <p:ph idx="1" hasCustomPrompt="1"/>
           </p:nvPr>
         </p:nvSpPr>
         <p:spPr>
@@ -1992,6 +1958,7 @@
               <a:rPr lang="zh-CN" altLang="en-US" smtClean="0"/>
               <a:t>编辑母版文本样式</a:t>
             </a:r>
+            <a:endParaRPr lang="zh-CN" altLang="en-US" smtClean="0"/>
           </a:p>
           <a:p>
             <a:pPr lvl="1"/>
@@ -1999,6 +1966,7 @@
               <a:rPr lang="zh-CN" altLang="en-US" smtClean="0"/>
               <a:t>第二级</a:t>
             </a:r>
+            <a:endParaRPr lang="zh-CN" altLang="en-US" smtClean="0"/>
           </a:p>
           <a:p>
             <a:pPr lvl="2"/>
@@ -2006,6 +1974,7 @@
               <a:rPr lang="zh-CN" altLang="en-US" smtClean="0"/>
               <a:t>第三级</a:t>
             </a:r>
+            <a:endParaRPr lang="zh-CN" altLang="en-US" smtClean="0"/>
           </a:p>
           <a:p>
             <a:pPr lvl="3"/>
@@ -2013,6 +1982,7 @@
               <a:rPr lang="zh-CN" altLang="en-US" smtClean="0"/>
               <a:t>第四级</a:t>
             </a:r>
+            <a:endParaRPr lang="zh-CN" altLang="en-US" smtClean="0"/>
           </a:p>
           <a:p>
             <a:pPr lvl="4"/>
@@ -2031,7 +2001,7 @@
             <a:spLocks noGrp="1"/>
           </p:cNvSpPr>
           <p:nvPr>
-            <p:ph type="body" sz="half" idx="2"/>
+            <p:ph type="body" sz="half" idx="2" hasCustomPrompt="1"/>
           </p:nvPr>
         </p:nvSpPr>
         <p:spPr>
@@ -2086,6 +2056,7 @@
               <a:rPr lang="zh-CN" altLang="en-US" smtClean="0"/>
               <a:t>编辑母版文本样式</a:t>
             </a:r>
+            <a:endParaRPr lang="zh-CN" altLang="en-US" smtClean="0"/>
           </a:p>
         </p:txBody>
       </p:sp>
@@ -2106,7 +2077,6 @@
           <a:p>
             <a:fld id="{96EC5E7B-1E8E-495C-AB71-BAADEEDEA495}" type="datetimeFigureOut">
               <a:rPr lang="zh-CN" altLang="en-US" smtClean="0"/>
-              <a:t>2022/9/20</a:t>
             </a:fld>
             <a:endParaRPr lang="zh-CN" altLang="en-US"/>
           </a:p>
@@ -2148,18 +2118,12 @@
           <a:p>
             <a:fld id="{22258FDD-683D-4A33-98DA-A7071BC45F38}" type="slidenum">
               <a:rPr lang="zh-CN" altLang="en-US" smtClean="0"/>
-              <a:t>‹#›</a:t>
             </a:fld>
             <a:endParaRPr lang="zh-CN" altLang="en-US"/>
           </a:p>
         </p:txBody>
       </p:sp>
     </p:spTree>
-    <p:extLst>
-      <p:ext uri="{BB962C8B-B14F-4D97-AF65-F5344CB8AC3E}">
-        <p14:creationId xmlns:p14="http://schemas.microsoft.com/office/powerpoint/2010/main" val="122080758"/>
-      </p:ext>
-    </p:extLst>
   </p:cSld>
   <p:clrMapOvr>
     <a:masterClrMapping/>
@@ -2284,7 +2248,7 @@
             <a:spLocks noGrp="1"/>
           </p:cNvSpPr>
           <p:nvPr>
-            <p:ph type="body" sz="half" idx="2"/>
+            <p:ph type="body" sz="half" idx="2" hasCustomPrompt="1"/>
           </p:nvPr>
         </p:nvSpPr>
         <p:spPr>
@@ -2339,6 +2303,7 @@
               <a:rPr lang="zh-CN" altLang="en-US" smtClean="0"/>
               <a:t>编辑母版文本样式</a:t>
             </a:r>
+            <a:endParaRPr lang="zh-CN" altLang="en-US" smtClean="0"/>
           </a:p>
         </p:txBody>
       </p:sp>
@@ -2359,7 +2324,6 @@
           <a:p>
             <a:fld id="{96EC5E7B-1E8E-495C-AB71-BAADEEDEA495}" type="datetimeFigureOut">
               <a:rPr lang="zh-CN" altLang="en-US" smtClean="0"/>
-              <a:t>2022/9/20</a:t>
             </a:fld>
             <a:endParaRPr lang="zh-CN" altLang="en-US"/>
           </a:p>
@@ -2401,18 +2365,12 @@
           <a:p>
             <a:fld id="{22258FDD-683D-4A33-98DA-A7071BC45F38}" type="slidenum">
               <a:rPr lang="zh-CN" altLang="en-US" smtClean="0"/>
-              <a:t>‹#›</a:t>
             </a:fld>
             <a:endParaRPr lang="zh-CN" altLang="en-US"/>
           </a:p>
         </p:txBody>
       </p:sp>
     </p:spTree>
-    <p:extLst>
-      <p:ext uri="{BB962C8B-B14F-4D97-AF65-F5344CB8AC3E}">
-        <p14:creationId xmlns:p14="http://schemas.microsoft.com/office/powerpoint/2010/main" val="2139542528"/>
-      </p:ext>
-    </p:extLst>
   </p:cSld>
   <p:clrMapOvr>
     <a:masterClrMapping/>
@@ -2505,6 +2463,7 @@
               <a:rPr lang="zh-CN" altLang="en-US" smtClean="0"/>
               <a:t>编辑母版文本样式</a:t>
             </a:r>
+            <a:endParaRPr lang="zh-CN" altLang="en-US" smtClean="0"/>
           </a:p>
           <a:p>
             <a:pPr lvl="1"/>
@@ -2512,6 +2471,7 @@
               <a:rPr lang="zh-CN" altLang="en-US" smtClean="0"/>
               <a:t>第二级</a:t>
             </a:r>
+            <a:endParaRPr lang="zh-CN" altLang="en-US" smtClean="0"/>
           </a:p>
           <a:p>
             <a:pPr lvl="2"/>
@@ -2519,6 +2479,7 @@
               <a:rPr lang="zh-CN" altLang="en-US" smtClean="0"/>
               <a:t>第三级</a:t>
             </a:r>
+            <a:endParaRPr lang="zh-CN" altLang="en-US" smtClean="0"/>
           </a:p>
           <a:p>
             <a:pPr lvl="3"/>
@@ -2526,6 +2487,7 @@
               <a:rPr lang="zh-CN" altLang="en-US" smtClean="0"/>
               <a:t>第四级</a:t>
             </a:r>
+            <a:endParaRPr lang="zh-CN" altLang="en-US" smtClean="0"/>
           </a:p>
           <a:p>
             <a:pPr lvl="4"/>
@@ -2572,7 +2534,6 @@
           <a:p>
             <a:fld id="{96EC5E7B-1E8E-495C-AB71-BAADEEDEA495}" type="datetimeFigureOut">
               <a:rPr lang="zh-CN" altLang="en-US" smtClean="0"/>
-              <a:t>2022/9/20</a:t>
             </a:fld>
             <a:endParaRPr lang="zh-CN" altLang="en-US"/>
           </a:p>
@@ -2650,18 +2611,12 @@
           <a:p>
             <a:fld id="{22258FDD-683D-4A33-98DA-A7071BC45F38}" type="slidenum">
               <a:rPr lang="zh-CN" altLang="en-US" smtClean="0"/>
-              <a:t>‹#›</a:t>
             </a:fld>
             <a:endParaRPr lang="zh-CN" altLang="en-US"/>
           </a:p>
         </p:txBody>
       </p:sp>
     </p:spTree>
-    <p:extLst>
-      <p:ext uri="{BB962C8B-B14F-4D97-AF65-F5344CB8AC3E}">
-        <p14:creationId xmlns:p14="http://schemas.microsoft.com/office/powerpoint/2010/main" val="3460273388"/>
-      </p:ext>
-    </p:extLst>
   </p:cSld>
   <p:clrMap bg1="lt1" tx1="dk1" bg2="lt2" tx2="dk2" accent1="accent1" accent2="accent2" accent3="accent3" accent4="accent4" accent5="accent5" accent6="accent6" hlink="hlink" folHlink="folHlink"/>
   <p:sldLayoutIdLst>
@@ -3148,11 +3103,6 @@
         </p:txBody>
       </p:sp>
     </p:spTree>
-    <p:extLst>
-      <p:ext uri="{BB962C8B-B14F-4D97-AF65-F5344CB8AC3E}">
-        <p14:creationId xmlns:p14="http://schemas.microsoft.com/office/powerpoint/2010/main" val="4057514940"/>
-      </p:ext>
-    </p:extLst>
   </p:cSld>
   <p:clrMapOvr>
     <a:masterClrMapping/>
@@ -3253,9 +3203,6 @@
         </p:spPr>
         <p:txBody>
           <a:bodyPr vert="horz" wrap="none" lIns="91440" tIns="45720" rIns="91440" bIns="45720" numCol="1" anchor="ctr" anchorCtr="0" compatLnSpc="1">
-            <a:prstTxWarp prst="textNoShape">
-              <a:avLst/>
-            </a:prstTxWarp>
             <a:spAutoFit/>
           </a:bodyPr>
           <a:lstStyle/>
@@ -3270,13 +3217,7 @@
           <p:cNvGraphicFramePr>
             <a:graphicFrameLocks noChangeAspect="1"/>
           </p:cNvGraphicFramePr>
-          <p:nvPr>
-            <p:extLst>
-              <p:ext uri="{D42A27DB-BD31-4B8C-83A1-F6EECF244321}">
-                <p14:modId xmlns:p14="http://schemas.microsoft.com/office/powerpoint/2010/main" val="2415323269"/>
-              </p:ext>
-            </p:extLst>
-          </p:nvPr>
+          <p:nvPr/>
         </p:nvGraphicFramePr>
         <p:xfrm>
           <a:off x="1811382" y="1648943"/>
@@ -3286,12 +3227,12 @@
           <a:graphicData uri="http://schemas.openxmlformats.org/presentationml/2006/ole">
             <mc:AlternateContent xmlns:mc="http://schemas.openxmlformats.org/markup-compatibility/2006">
               <mc:Choice xmlns:v="urn:schemas-microsoft-com:vml" Requires="v">
-                <p:oleObj spid="_x0000_s1032" name="Visio" r:id="rId3" imgW="7991610" imgH="4095841" progId="Visio.Drawing.15">
+                <p:oleObj spid="_x0000_s1032" name="Visio" r:id="rId1" imgW="8171180" imgH="4192905" progId="Visio.Drawing.15">
                   <p:embed/>
                 </p:oleObj>
               </mc:Choice>
               <mc:Fallback>
-                <p:oleObj name="Visio" r:id="rId3" imgW="7991610" imgH="4095841" progId="Visio.Drawing.15">
+                <p:oleObj name="Visio" r:id="rId1" imgW="8171180" imgH="4192905" progId="Visio.Drawing.15">
                   <p:embed/>
                   <p:pic>
                     <p:nvPicPr>
@@ -3302,7 +3243,7 @@
                       <p:nvPr/>
                     </p:nvPicPr>
                     <p:blipFill>
-                      <a:blip r:embed="rId4">
+                      <a:blip r:embed="rId2">
                         <a:extLst>
                           <a:ext uri="{28A0092B-C50C-407E-A947-70E740481C1C}">
                             <a14:useLocalDpi xmlns:a14="http://schemas.microsoft.com/office/drawing/2010/main" val="0"/>
@@ -3383,9 +3324,6 @@
         </p:spPr>
         <p:txBody>
           <a:bodyPr vert="horz" wrap="square" lIns="91440" tIns="45720" rIns="91440" bIns="45720" numCol="1" anchor="ctr" anchorCtr="0" compatLnSpc="1">
-            <a:prstTxWarp prst="textNoShape">
-              <a:avLst/>
-            </a:prstTxWarp>
             <a:spAutoFit/>
           </a:bodyPr>
           <a:lstStyle/>
@@ -3404,7 +3342,6 @@
               <a:buSzTx/>
               <a:buFontTx/>
               <a:buNone/>
-              <a:tabLst/>
             </a:pPr>
             <a:r>
               <a:rPr kumimoji="0" lang="zh-CN" altLang="en-US" b="0" i="0" u="none" strike="noStrike" cap="none" normalizeH="0" baseline="0" dirty="0" smtClean="0">
@@ -3435,11 +3372,6 @@
         </p:txBody>
       </p:sp>
     </p:spTree>
-    <p:extLst>
-      <p:ext uri="{BB962C8B-B14F-4D97-AF65-F5344CB8AC3E}">
-        <p14:creationId xmlns:p14="http://schemas.microsoft.com/office/powerpoint/2010/main" val="57392414"/>
-      </p:ext>
-    </p:extLst>
   </p:cSld>
   <p:clrMapOvr>
     <a:masterClrMapping/>
@@ -3518,7 +3450,9 @@
           </a:xfrm>
         </p:spPr>
         <p:txBody>
-          <a:bodyPr/>
+          <a:bodyPr>
+            <a:normAutofit lnSpcReduction="20000"/>
+          </a:bodyPr>
           <a:lstStyle/>
           <a:p>
             <a:r>
@@ -3585,6 +3519,21 @@
             <a:r>
               <a:rPr lang="zh-CN" altLang="zh-CN" dirty="0" smtClean="0"/>
               <a:t>机制</a:t>
+            </a:r>
+            <a:endParaRPr lang="zh-CN" altLang="zh-CN" dirty="0" smtClean="0"/>
+          </a:p>
+          <a:p>
+            <a:r>
+              <a:rPr lang="en-US" altLang="zh-CN" dirty="0" smtClean="0"/>
+              <a:t>(</a:t>
+            </a:r>
+            <a:r>
+              <a:rPr lang="zh-CN" altLang="en-US" dirty="0" smtClean="0"/>
+              <a:t>写合并是将批量随机写转化为顺序写吗？</a:t>
+            </a:r>
+            <a:r>
+              <a:rPr lang="en-US" altLang="zh-CN" dirty="0" smtClean="0"/>
+              <a:t>)</a:t>
             </a:r>
             <a:endParaRPr lang="en-US" altLang="zh-CN" dirty="0" smtClean="0"/>
           </a:p>
@@ -3648,9 +3597,6 @@
         </p:spPr>
         <p:txBody>
           <a:bodyPr vert="horz" wrap="none" lIns="91440" tIns="45720" rIns="91440" bIns="45720" numCol="1" anchor="ctr" anchorCtr="0" compatLnSpc="1">
-            <a:prstTxWarp prst="textNoShape">
-              <a:avLst/>
-            </a:prstTxWarp>
             <a:spAutoFit/>
           </a:bodyPr>
           <a:lstStyle/>
@@ -3665,13 +3611,7 @@
           <p:cNvGraphicFramePr>
             <a:graphicFrameLocks noChangeAspect="1"/>
           </p:cNvGraphicFramePr>
-          <p:nvPr>
-            <p:extLst>
-              <p:ext uri="{D42A27DB-BD31-4B8C-83A1-F6EECF244321}">
-                <p14:modId xmlns:p14="http://schemas.microsoft.com/office/powerpoint/2010/main" val="2641481565"/>
-              </p:ext>
-            </p:extLst>
-          </p:nvPr>
+          <p:nvPr/>
         </p:nvGraphicFramePr>
         <p:xfrm>
           <a:off x="1017109" y="1947151"/>
@@ -3681,12 +3621,12 @@
           <a:graphicData uri="http://schemas.openxmlformats.org/presentationml/2006/ole">
             <mc:AlternateContent xmlns:mc="http://schemas.openxmlformats.org/markup-compatibility/2006">
               <mc:Choice xmlns:v="urn:schemas-microsoft-com:vml" Requires="v">
-                <p:oleObj spid="_x0000_s2057" name="Visio" r:id="rId3" imgW="10496470" imgH="6143762" progId="Visio.Drawing.15">
+                <p:oleObj spid="_x0000_s2057" name="Visio" r:id="rId1" imgW="10729595" imgH="6283960" progId="Visio.Drawing.15">
                   <p:embed/>
                 </p:oleObj>
               </mc:Choice>
               <mc:Fallback>
-                <p:oleObj name="Visio" r:id="rId3" imgW="10496470" imgH="6143762" progId="Visio.Drawing.15">
+                <p:oleObj name="Visio" r:id="rId1" imgW="10729595" imgH="6283960" progId="Visio.Drawing.15">
                   <p:embed/>
                   <p:pic>
                     <p:nvPicPr>
@@ -3697,7 +3637,7 @@
                       <p:nvPr/>
                     </p:nvPicPr>
                     <p:blipFill>
-                      <a:blip r:embed="rId4">
+                      <a:blip r:embed="rId2">
                         <a:extLst>
                           <a:ext uri="{28A0092B-C50C-407E-A947-70E740481C1C}">
                             <a14:useLocalDpi xmlns:a14="http://schemas.microsoft.com/office/drawing/2010/main" val="0"/>
@@ -3778,9 +3718,6 @@
         </p:spPr>
         <p:txBody>
           <a:bodyPr vert="horz" wrap="square" lIns="91440" tIns="45720" rIns="91440" bIns="45720" numCol="1" anchor="ctr" anchorCtr="0" compatLnSpc="1">
-            <a:prstTxWarp prst="textNoShape">
-              <a:avLst/>
-            </a:prstTxWarp>
             <a:spAutoFit/>
           </a:bodyPr>
           <a:lstStyle/>
@@ -3799,10 +3736,9 @@
               <a:buSzTx/>
               <a:buFontTx/>
               <a:buNone/>
-              <a:tabLst/>
             </a:pPr>
             <a:r>
-              <a:rPr kumimoji="0" lang="zh-CN" altLang="en-US" sz="2000" b="0" i="0" u="none" strike="noStrike" cap="none" normalizeH="0" baseline="0" dirty="0" smtClean="0" bmk="OLE_LINK61">
+              <a:rPr kumimoji="0" lang="zh-CN" altLang="en-US" sz="2000" b="0" i="0" u="none" strike="noStrike" cap="none" normalizeH="0" baseline="0" dirty="0" smtClean="0">
                 <a:ln>
                   <a:noFill/>
                 </a:ln>
@@ -3830,11 +3766,6 @@
         </p:txBody>
       </p:sp>
     </p:spTree>
-    <p:extLst>
-      <p:ext uri="{BB962C8B-B14F-4D97-AF65-F5344CB8AC3E}">
-        <p14:creationId xmlns:p14="http://schemas.microsoft.com/office/powerpoint/2010/main" val="3441806096"/>
-      </p:ext>
-    </p:extLst>
   </p:cSld>
   <p:clrMapOvr>
     <a:masterClrMapping/>
@@ -3963,7 +3894,7 @@
           <p:nvPr/>
         </p:nvPicPr>
         <p:blipFill>
-          <a:blip r:embed="rId2" cstate="print">
+          <a:blip r:embed="rId1" cstate="print">
             <a:extLst>
               <a:ext uri="{28A0092B-C50C-407E-A947-70E740481C1C}">
                 <a14:useLocalDpi xmlns:a14="http://schemas.microsoft.com/office/drawing/2010/main" val="0"/>
@@ -3990,11 +3921,6 @@
         </p:spPr>
       </p:pic>
     </p:spTree>
-    <p:extLst>
-      <p:ext uri="{BB962C8B-B14F-4D97-AF65-F5344CB8AC3E}">
-        <p14:creationId xmlns:p14="http://schemas.microsoft.com/office/powerpoint/2010/main" val="4180924158"/>
-      </p:ext>
-    </p:extLst>
   </p:cSld>
   <p:clrMapOvr>
     <a:masterClrMapping/>
@@ -4110,7 +4036,7 @@
           <p:nvPr/>
         </p:nvPicPr>
         <p:blipFill>
-          <a:blip r:embed="rId2" cstate="print">
+          <a:blip r:embed="rId1" cstate="print">
             <a:extLst>
               <a:ext uri="{28A0092B-C50C-407E-A947-70E740481C1C}">
                 <a14:useLocalDpi xmlns:a14="http://schemas.microsoft.com/office/drawing/2010/main" val="0"/>
@@ -4137,11 +4063,6 @@
         </p:spPr>
       </p:pic>
     </p:spTree>
-    <p:extLst>
-      <p:ext uri="{BB962C8B-B14F-4D97-AF65-F5344CB8AC3E}">
-        <p14:creationId xmlns:p14="http://schemas.microsoft.com/office/powerpoint/2010/main" val="4098415513"/>
-      </p:ext>
-    </p:extLst>
   </p:cSld>
   <p:clrMapOvr>
     <a:masterClrMapping/>
@@ -4297,7 +4218,7 @@
           <p:nvPr/>
         </p:nvPicPr>
         <p:blipFill>
-          <a:blip r:embed="rId2"/>
+          <a:blip r:embed="rId1"/>
           <a:stretch>
             <a:fillRect/>
           </a:stretch>
@@ -4359,11 +4280,6 @@
         </p:txBody>
       </p:sp>
     </p:spTree>
-    <p:extLst>
-      <p:ext uri="{BB962C8B-B14F-4D97-AF65-F5344CB8AC3E}">
-        <p14:creationId xmlns:p14="http://schemas.microsoft.com/office/powerpoint/2010/main" val="2998466557"/>
-      </p:ext>
-    </p:extLst>
   </p:cSld>
   <p:clrMapOvr>
     <a:masterClrMapping/>
@@ -4511,7 +4427,7 @@
           <p:nvPr/>
         </p:nvPicPr>
         <p:blipFill>
-          <a:blip r:embed="rId2" cstate="print">
+          <a:blip r:embed="rId1" cstate="print">
             <a:extLst>
               <a:ext uri="{28A0092B-C50C-407E-A947-70E740481C1C}">
                 <a14:useLocalDpi xmlns:a14="http://schemas.microsoft.com/office/drawing/2010/main" val="0"/>
@@ -4538,11 +4454,6 @@
         </p:spPr>
       </p:pic>
     </p:spTree>
-    <p:extLst>
-      <p:ext uri="{BB962C8B-B14F-4D97-AF65-F5344CB8AC3E}">
-        <p14:creationId xmlns:p14="http://schemas.microsoft.com/office/powerpoint/2010/main" val="1578006180"/>
-      </p:ext>
-    </p:extLst>
   </p:cSld>
   <p:clrMapOvr>
     <a:masterClrMapping/>
@@ -4770,11 +4681,6 @@
         </p:txBody>
       </p:sp>
     </p:spTree>
-    <p:extLst>
-      <p:ext uri="{BB962C8B-B14F-4D97-AF65-F5344CB8AC3E}">
-        <p14:creationId xmlns:p14="http://schemas.microsoft.com/office/powerpoint/2010/main" val="2354898008"/>
-      </p:ext>
-    </p:extLst>
   </p:cSld>
   <p:clrMapOvr>
     <a:masterClrMapping/>
@@ -4826,11 +4732,6 @@
           </p:cNvGraphicFramePr>
           <p:nvPr>
             <p:ph idx="1"/>
-            <p:extLst>
-              <p:ext uri="{D42A27DB-BD31-4B8C-83A1-F6EECF244321}">
-                <p14:modId xmlns:p14="http://schemas.microsoft.com/office/powerpoint/2010/main" val="2636627979"/>
-              </p:ext>
-            </p:extLst>
           </p:nvPr>
         </p:nvGraphicFramePr>
         <p:xfrm>
@@ -4844,62 +4745,14 @@
                 <a:tableStyleId>{5C22544A-7EE6-4342-B048-85BDC9FD1C3A}</a:tableStyleId>
               </a:tblPr>
               <a:tblGrid>
-                <a:gridCol w="1488542">
-                  <a:extLst>
-                    <a:ext uri="{9D8B030D-6E8A-4147-A177-3AD203B41FA5}">
-                      <a16:colId xmlns:a16="http://schemas.microsoft.com/office/drawing/2014/main" val="3358869381"/>
-                    </a:ext>
-                  </a:extLst>
-                </a:gridCol>
-                <a:gridCol w="4559840">
-                  <a:extLst>
-                    <a:ext uri="{9D8B030D-6E8A-4147-A177-3AD203B41FA5}">
-                      <a16:colId xmlns:a16="http://schemas.microsoft.com/office/drawing/2014/main" val="2128877215"/>
-                    </a:ext>
-                  </a:extLst>
-                </a:gridCol>
-                <a:gridCol w="829063">
-                  <a:extLst>
-                    <a:ext uri="{9D8B030D-6E8A-4147-A177-3AD203B41FA5}">
-                      <a16:colId xmlns:a16="http://schemas.microsoft.com/office/drawing/2014/main" val="3427672617"/>
-                    </a:ext>
-                  </a:extLst>
-                </a:gridCol>
-                <a:gridCol w="829063">
-                  <a:extLst>
-                    <a:ext uri="{9D8B030D-6E8A-4147-A177-3AD203B41FA5}">
-                      <a16:colId xmlns:a16="http://schemas.microsoft.com/office/drawing/2014/main" val="1486700919"/>
-                    </a:ext>
-                  </a:extLst>
-                </a:gridCol>
-                <a:gridCol w="890299">
-                  <a:extLst>
-                    <a:ext uri="{9D8B030D-6E8A-4147-A177-3AD203B41FA5}">
-                      <a16:colId xmlns:a16="http://schemas.microsoft.com/office/drawing/2014/main" val="34449866"/>
-                    </a:ext>
-                  </a:extLst>
-                </a:gridCol>
-                <a:gridCol w="720718">
-                  <a:extLst>
-                    <a:ext uri="{9D8B030D-6E8A-4147-A177-3AD203B41FA5}">
-                      <a16:colId xmlns:a16="http://schemas.microsoft.com/office/drawing/2014/main" val="60641767"/>
-                    </a:ext>
-                  </a:extLst>
-                </a:gridCol>
-                <a:gridCol w="678323">
-                  <a:extLst>
-                    <a:ext uri="{9D8B030D-6E8A-4147-A177-3AD203B41FA5}">
-                      <a16:colId xmlns:a16="http://schemas.microsoft.com/office/drawing/2014/main" val="2286253891"/>
-                    </a:ext>
-                  </a:extLst>
-                </a:gridCol>
-                <a:gridCol w="678323">
-                  <a:extLst>
-                    <a:ext uri="{9D8B030D-6E8A-4147-A177-3AD203B41FA5}">
-                      <a16:colId xmlns:a16="http://schemas.microsoft.com/office/drawing/2014/main" val="3468373165"/>
-                    </a:ext>
-                  </a:extLst>
-                </a:gridCol>
+                <a:gridCol w="1488542"/>
+                <a:gridCol w="4559840"/>
+                <a:gridCol w="829063"/>
+                <a:gridCol w="829063"/>
+                <a:gridCol w="890299"/>
+                <a:gridCol w="720718"/>
+                <a:gridCol w="678323"/>
+                <a:gridCol w="678323"/>
               </a:tblGrid>
               <a:tr h="490710">
                 <a:tc>
@@ -5094,11 +4947,6 @@
                   </a:txBody>
                   <a:tcPr marL="9525" marR="9525" marT="9525" marB="0" anchor="ctr"/>
                 </a:tc>
-                <a:extLst>
-                  <a:ext uri="{0D108BD9-81ED-4DB2-BD59-A6C34878D82A}">
-                    <a16:rowId xmlns:a16="http://schemas.microsoft.com/office/drawing/2014/main" val="930338746"/>
-                  </a:ext>
-                </a:extLst>
               </a:tr>
               <a:tr h="490710">
                 <a:tc>
@@ -5287,11 +5135,6 @@
                   </a:txBody>
                   <a:tcPr marL="9525" marR="9525" marT="9525" marB="0" anchor="ctr"/>
                 </a:tc>
-                <a:extLst>
-                  <a:ext uri="{0D108BD9-81ED-4DB2-BD59-A6C34878D82A}">
-                    <a16:rowId xmlns:a16="http://schemas.microsoft.com/office/drawing/2014/main" val="1424988637"/>
-                  </a:ext>
-                </a:extLst>
               </a:tr>
               <a:tr h="490710">
                 <a:tc>
@@ -5486,11 +5329,6 @@
                   </a:txBody>
                   <a:tcPr marL="9525" marR="9525" marT="9525" marB="0" anchor="ctr"/>
                 </a:tc>
-                <a:extLst>
-                  <a:ext uri="{0D108BD9-81ED-4DB2-BD59-A6C34878D82A}">
-                    <a16:rowId xmlns:a16="http://schemas.microsoft.com/office/drawing/2014/main" val="2164295213"/>
-                  </a:ext>
-                </a:extLst>
               </a:tr>
               <a:tr h="490710">
                 <a:tc>
@@ -5679,11 +5517,6 @@
                   </a:txBody>
                   <a:tcPr marL="9525" marR="9525" marT="9525" marB="0" anchor="ctr"/>
                 </a:tc>
-                <a:extLst>
-                  <a:ext uri="{0D108BD9-81ED-4DB2-BD59-A6C34878D82A}">
-                    <a16:rowId xmlns:a16="http://schemas.microsoft.com/office/drawing/2014/main" val="2071579917"/>
-                  </a:ext>
-                </a:extLst>
               </a:tr>
               <a:tr h="490710">
                 <a:tc>
@@ -5896,11 +5729,6 @@
                   </a:txBody>
                   <a:tcPr marL="9525" marR="9525" marT="9525" marB="0" anchor="ctr"/>
                 </a:tc>
-                <a:extLst>
-                  <a:ext uri="{0D108BD9-81ED-4DB2-BD59-A6C34878D82A}">
-                    <a16:rowId xmlns:a16="http://schemas.microsoft.com/office/drawing/2014/main" val="4018868733"/>
-                  </a:ext>
-                </a:extLst>
               </a:tr>
               <a:tr h="490710">
                 <a:tc>
@@ -6089,11 +5917,6 @@
                   </a:txBody>
                   <a:tcPr marL="9525" marR="9525" marT="9525" marB="0" anchor="ctr"/>
                 </a:tc>
-                <a:extLst>
-                  <a:ext uri="{0D108BD9-81ED-4DB2-BD59-A6C34878D82A}">
-                    <a16:rowId xmlns:a16="http://schemas.microsoft.com/office/drawing/2014/main" val="1456377244"/>
-                  </a:ext>
-                </a:extLst>
               </a:tr>
               <a:tr h="490710">
                 <a:tc>
@@ -6288,11 +6111,6 @@
                   </a:txBody>
                   <a:tcPr marL="9525" marR="9525" marT="9525" marB="0" anchor="ctr"/>
                 </a:tc>
-                <a:extLst>
-                  <a:ext uri="{0D108BD9-81ED-4DB2-BD59-A6C34878D82A}">
-                    <a16:rowId xmlns:a16="http://schemas.microsoft.com/office/drawing/2014/main" val="2222278198"/>
-                  </a:ext>
-                </a:extLst>
               </a:tr>
               <a:tr h="490710">
                 <a:tc>
@@ -6481,27 +6299,24 @@
                   </a:txBody>
                   <a:tcPr marL="9525" marR="9525" marT="9525" marB="0" anchor="ctr"/>
                 </a:tc>
-                <a:extLst>
-                  <a:ext uri="{0D108BD9-81ED-4DB2-BD59-A6C34878D82A}">
-                    <a16:rowId xmlns:a16="http://schemas.microsoft.com/office/drawing/2014/main" val="844136782"/>
-                  </a:ext>
-                </a:extLst>
               </a:tr>
             </a:tbl>
           </a:graphicData>
         </a:graphic>
       </p:graphicFrame>
     </p:spTree>
-    <p:extLst>
-      <p:ext uri="{BB962C8B-B14F-4D97-AF65-F5344CB8AC3E}">
-        <p14:creationId xmlns:p14="http://schemas.microsoft.com/office/powerpoint/2010/main" val="2856906456"/>
-      </p:ext>
-    </p:extLst>
   </p:cSld>
   <p:clrMapOvr>
     <a:masterClrMapping/>
   </p:clrMapOvr>
 </p:sld>
+</file>
+
+<file path=ppt/tags/tag1.xml><?xml version="1.0" encoding="utf-8"?>
+<p:tagLst xmlns:p="http://schemas.openxmlformats.org/presentationml/2006/main">
+  <p:tag name="KSO_WPP_MARK_KEY" val="f0c935f6-a353-4984-8836-4ffd90c6c3b0"/>
+  <p:tag name="COMMONDATA" val="eyJoZGlkIjoiYmI1ZDk1ZTQ0MzMzODRhYmE0YjEyOTFiYmY4YmNiMjYifQ=="/>
+</p:tagLst>
 </file>
 
 <file path=ppt/theme/theme1.xml><?xml version="1.0" encoding="utf-8"?>
@@ -6547,7 +6362,7 @@
     </a:clrScheme>
     <a:fontScheme name="Office">
       <a:majorFont>
-        <a:latin typeface="等线 Light" panose="020F0302020204030204"/>
+        <a:latin typeface="等线 Light"/>
         <a:ea typeface=""/>
         <a:cs typeface=""/>
         <a:font script="Jpan" typeface="游ゴシック Light"/>
@@ -6582,7 +6397,7 @@
         <a:font script="Geor" typeface="Sylfaen"/>
       </a:majorFont>
       <a:minorFont>
-        <a:latin typeface="等线" panose="020F0502020204030204"/>
+        <a:latin typeface="等线"/>
         <a:ea typeface=""/>
         <a:cs typeface=""/>
         <a:font script="Jpan" typeface="游ゴシック"/>
@@ -6755,8 +6570,6 @@
       </a:bgFillStyleLst>
     </a:fmtScheme>
   </a:themeElements>
-  <a:objectDefaults/>
-  <a:extraClrSchemeLst/>
   <a:extLst>
     <a:ext uri="{05A4C25C-085E-4340-85A3-A5531E510DB2}">
       <thm15:themeFamily xmlns:thm15="http://schemas.microsoft.com/office/thememl/2012/main" name="Office Theme" id="{62F939B6-93AF-4DB8-9C6B-D6C7DFDC589F}" vid="{4A3C46E8-61CC-4603-A589-7422A47A8E4A}"/>
